--- a/requirements/SCJ-CLOUD_TRABALHO_FINAL.pptx
+++ b/requirements/SCJ-CLOUD_TRABALHO_FINAL.pptx
@@ -6889,7 +6889,7 @@
                       </a:pPr>
                       <a:r>
                         <a:rPr lang="en-US" sz="1400" dirty="0">
-                          <a:hlinkClick r:id="rId7" tooltip="" action="ppaction://hlinkfile"/>
+                          <a:hlinkClick r:id="rId7" action="ppaction://hlinkfile"/>
                         </a:rPr>
                         <a:t>https://www.loom.com/share/5e4a58ddc6dd4467b5fb96d416529b26</a:t>
                       </a:r>
@@ -7310,7 +7310,7 @@
         </p:nvGraphicFramePr>
         <p:xfrm>
           <a:off x="209853" y="1343385"/>
-          <a:ext cx="6438265" cy="2290445"/>
+          <a:ext cx="6438295" cy="2290569"/>
         </p:xfrm>
         <a:graphic>
           <a:graphicData uri="http://schemas.openxmlformats.org/drawingml/2006/table">
@@ -7403,7 +7403,7 @@
                       </a:pPr>
                       <a:r>
                         <a:rPr lang="en-US" sz="1400" dirty="0">
-                          <a:hlinkClick r:id="rId4" tooltip="" action="ppaction://hlinkfile"/>
+                          <a:hlinkClick r:id="rId4" action="ppaction://hlinkfile"/>
                         </a:rPr>
                         <a:t>https://www.loom.com/share/196f436a33984339878cadd144dbb4b9</a:t>
                       </a:r>
@@ -7450,6 +7450,12 @@
                         <a:buNone/>
                         <a:defRPr/>
                       </a:pPr>
+                      <a:r>
+                        <a:rPr lang="en-US" altLang="en-US" sz="1400" dirty="0">
+                          <a:hlinkClick r:id="rId5" tooltip="" action="ppaction://hlinkfile"/>
+                        </a:rPr>
+                        <a:t>https://github.com/ricardosoareslacerda/broker-cloud-azure.git</a:t>
+                      </a:r>
                       <a:endParaRPr lang="en-US" altLang="en-US" sz="1400" dirty="0"/>
                     </a:p>
                   </a:txBody>
